--- a/BUS 243 Project_Group 5.pptx
+++ b/BUS 243 Project_Group 5.pptx
@@ -122,6 +122,11 @@
       </a:defRPr>
     </a:lvl9pPr>
   </p:defaultTextStyle>
+  <p:extLst>
+    <p:ext uri="{EFAFB233-063F-42B5-8137-9DF3F51BA10A}">
+      <p15:sldGuideLst xmlns:p15="http://schemas.microsoft.com/office/powerpoint/2012/main"/>
+    </p:ext>
+  </p:extLst>
 </p:presentation>
 </file>
 
@@ -350,7 +355,7 @@
             <a:fld id="{5586B75A-687E-405C-8A0B-8D00578BA2C3}" type="datetimeFigureOut">
               <a:rPr lang="en-US" dirty="0"/>
               <a:pPr/>
-              <a:t>12/9/2018</a:t>
+              <a:t>12/10/18</a:t>
             </a:fld>
             <a:endParaRPr lang="en-US" dirty="0"/>
           </a:p>
@@ -517,7 +522,7 @@
             <a:fld id="{5586B75A-687E-405C-8A0B-8D00578BA2C3}" type="datetimeFigureOut">
               <a:rPr lang="en-US" dirty="0"/>
               <a:pPr/>
-              <a:t>12/9/2018</a:t>
+              <a:t>12/10/18</a:t>
             </a:fld>
             <a:endParaRPr lang="en-US" dirty="0"/>
           </a:p>
@@ -694,7 +699,7 @@
             <a:fld id="{5586B75A-687E-405C-8A0B-8D00578BA2C3}" type="datetimeFigureOut">
               <a:rPr lang="en-US" dirty="0"/>
               <a:pPr/>
-              <a:t>12/9/2018</a:t>
+              <a:t>12/10/18</a:t>
             </a:fld>
             <a:endParaRPr lang="en-US" dirty="0"/>
           </a:p>
@@ -861,7 +866,7 @@
             <a:fld id="{5586B75A-687E-405C-8A0B-8D00578BA2C3}" type="datetimeFigureOut">
               <a:rPr lang="en-US" dirty="0"/>
               <a:pPr/>
-              <a:t>12/9/2018</a:t>
+              <a:t>12/10/18</a:t>
             </a:fld>
             <a:endParaRPr lang="en-US" dirty="0"/>
           </a:p>
@@ -1116,7 +1121,7 @@
             <a:fld id="{5586B75A-687E-405C-8A0B-8D00578BA2C3}" type="datetimeFigureOut">
               <a:rPr lang="en-US" dirty="0"/>
               <a:pPr/>
-              <a:t>12/9/2018</a:t>
+              <a:t>12/10/18</a:t>
             </a:fld>
             <a:endParaRPr lang="en-US" dirty="0"/>
           </a:p>
@@ -1401,7 +1406,7 @@
             <a:fld id="{5586B75A-687E-405C-8A0B-8D00578BA2C3}" type="datetimeFigureOut">
               <a:rPr lang="en-US" dirty="0"/>
               <a:pPr/>
-              <a:t>12/9/2018</a:t>
+              <a:t>12/10/18</a:t>
             </a:fld>
             <a:endParaRPr lang="en-US" dirty="0"/>
           </a:p>
@@ -1840,7 +1845,7 @@
             <a:fld id="{5586B75A-687E-405C-8A0B-8D00578BA2C3}" type="datetimeFigureOut">
               <a:rPr lang="en-US" dirty="0"/>
               <a:pPr/>
-              <a:t>12/9/2018</a:t>
+              <a:t>12/10/18</a:t>
             </a:fld>
             <a:endParaRPr lang="en-US" dirty="0"/>
           </a:p>
@@ -1955,7 +1960,7 @@
             <a:fld id="{5586B75A-687E-405C-8A0B-8D00578BA2C3}" type="datetimeFigureOut">
               <a:rPr lang="en-US" dirty="0"/>
               <a:pPr/>
-              <a:t>12/9/2018</a:t>
+              <a:t>12/10/18</a:t>
             </a:fld>
             <a:endParaRPr lang="en-US" dirty="0"/>
           </a:p>
@@ -2047,7 +2052,7 @@
             <a:fld id="{5586B75A-687E-405C-8A0B-8D00578BA2C3}" type="datetimeFigureOut">
               <a:rPr lang="en-US" dirty="0"/>
               <a:pPr/>
-              <a:t>12/9/2018</a:t>
+              <a:t>12/10/18</a:t>
             </a:fld>
             <a:endParaRPr lang="en-US" dirty="0"/>
           </a:p>
@@ -2332,7 +2337,7 @@
             <a:fld id="{5586B75A-687E-405C-8A0B-8D00578BA2C3}" type="datetimeFigureOut">
               <a:rPr lang="en-US" dirty="0"/>
               <a:pPr/>
-              <a:t>12/9/2018</a:t>
+              <a:t>12/10/18</a:t>
             </a:fld>
             <a:endParaRPr lang="en-US" dirty="0"/>
           </a:p>
@@ -2602,7 +2607,7 @@
             <a:fld id="{5586B75A-687E-405C-8A0B-8D00578BA2C3}" type="datetimeFigureOut">
               <a:rPr lang="en-US" dirty="0"/>
               <a:pPr/>
-              <a:t>12/9/2018</a:t>
+              <a:t>12/10/18</a:t>
             </a:fld>
             <a:endParaRPr lang="en-US" dirty="0"/>
           </a:p>
@@ -2896,7 +2901,7 @@
             <a:fld id="{5586B75A-687E-405C-8A0B-8D00578BA2C3}" type="datetimeFigureOut">
               <a:rPr lang="en-US" dirty="0"/>
               <a:pPr/>
-              <a:t>12/9/2018</a:t>
+              <a:t>12/10/18</a:t>
             </a:fld>
             <a:endParaRPr lang="en-US" dirty="0"/>
           </a:p>
@@ -5454,31 +5459,35 @@
           </a:p>
         </p:txBody>
       </p:sp>
-      <p:sp>
-        <p:nvSpPr>
-          <p:cNvPr id="3" name="Content Placeholder 2">
+      <p:pic>
+        <p:nvPicPr>
+          <p:cNvPr id="5" name="Content Placeholder 4">
             <a:extLst>
               <a:ext uri="{FF2B5EF4-FFF2-40B4-BE49-F238E27FC236}">
-                <a16:creationId xmlns:a16="http://schemas.microsoft.com/office/drawing/2014/main" id="{18FC3221-7FD3-4DE6-BA8E-B664D0A0DDFE}"/>
+                <a16:creationId xmlns:a16="http://schemas.microsoft.com/office/drawing/2014/main" id="{2558759C-C8E1-0740-928B-614DF2C0EDAB}"/>
               </a:ext>
             </a:extLst>
           </p:cNvPr>
-          <p:cNvSpPr>
-            <a:spLocks noGrp="1"/>
-          </p:cNvSpPr>
+          <p:cNvPicPr>
+            <a:picLocks noGrp="1" noChangeAspect="1"/>
+          </p:cNvPicPr>
           <p:nvPr>
             <p:ph idx="1"/>
           </p:nvPr>
-        </p:nvSpPr>
-        <p:spPr/>
-        <p:txBody>
-          <a:bodyPr/>
-          <a:lstStyle/>
-          <a:p>
-            <a:endParaRPr lang="en-US"/>
-          </a:p>
-        </p:txBody>
-      </p:sp>
+        </p:nvPicPr>
+        <p:blipFill>
+          <a:blip r:embed="rId2"/>
+          <a:stretch>
+            <a:fillRect/>
+          </a:stretch>
+        </p:blipFill>
+        <p:spPr>
+          <a:xfrm>
+            <a:off x="3940010" y="863600"/>
+            <a:ext cx="7665835" cy="5121275"/>
+          </a:xfrm>
+        </p:spPr>
+      </p:pic>
     </p:spTree>
     <p:extLst>
       <p:ext uri="{BB962C8B-B14F-4D97-AF65-F5344CB8AC3E}">
@@ -7022,10 +7031,10 @@
       </p:sp>
       <p:pic>
         <p:nvPicPr>
-          <p:cNvPr id="4" name="Content Placeholder 3">
+          <p:cNvPr id="7" name="Content Placeholder 6">
             <a:extLst>
               <a:ext uri="{FF2B5EF4-FFF2-40B4-BE49-F238E27FC236}">
-                <a16:creationId xmlns:a16="http://schemas.microsoft.com/office/drawing/2014/main" id="{FF6501FA-491E-4BBE-863E-4EBB9B4C051B}"/>
+                <a16:creationId xmlns:a16="http://schemas.microsoft.com/office/drawing/2014/main" id="{D9A1E6F7-CC54-0C4F-87CC-B10573A19DA5}"/>
               </a:ext>
             </a:extLst>
           </p:cNvPr>
@@ -7044,12 +7053,9 @@
         </p:blipFill>
         <p:spPr>
           <a:xfrm>
-            <a:off x="1536354" y="749154"/>
-            <a:ext cx="10514262" cy="5359692"/>
+            <a:off x="3502855" y="759655"/>
+            <a:ext cx="8185853" cy="5359791"/>
           </a:xfrm>
-          <a:prstGeom prst="rect">
-            <a:avLst/>
-          </a:prstGeom>
         </p:spPr>
       </p:pic>
     </p:spTree>
